--- a/Update160463/Powerpoint/บท 7.pptx
+++ b/Update160463/Powerpoint/บท 7.pptx
@@ -220,7 +220,7 @@
           <a:p>
             <a:fld id="{3389243F-B1BB-4202-BD78-416ACA555174}" type="datetimeFigureOut">
               <a:rPr lang="en-US" smtClean="0"/>
-              <a:t>3/22/2020</a:t>
+              <a:t>4/23/2020</a:t>
             </a:fld>
             <a:endParaRPr lang="en-US"/>
           </a:p>
@@ -13565,7 +13565,7 @@
             <a:fld id="{48F99129-DC4F-4092-9054-00E37DE86F07}" type="datetime1">
               <a:rPr lang="en-US" smtClean="0"/>
               <a:pPr/>
-              <a:t>3/22/2020</a:t>
+              <a:t>4/23/2020</a:t>
             </a:fld>
             <a:endParaRPr lang="en-US"/>
           </a:p>
@@ -13828,7 +13828,7 @@
             <a:fld id="{9DF30374-33B8-4138-87A5-0CD8F81CCC49}" type="datetime1">
               <a:rPr lang="en-US" smtClean="0"/>
               <a:pPr/>
-              <a:t>3/22/2020</a:t>
+              <a:t>4/23/2020</a:t>
             </a:fld>
             <a:endParaRPr lang="en-US"/>
           </a:p>
@@ -14010,7 +14010,7 @@
             <a:fld id="{C0A9D930-D8CB-4386-9637-B457644FC5F3}" type="datetime1">
               <a:rPr lang="en-US" smtClean="0"/>
               <a:pPr/>
-              <a:t>3/22/2020</a:t>
+              <a:t>4/23/2020</a:t>
             </a:fld>
             <a:endParaRPr lang="en-US"/>
           </a:p>
@@ -14739,7 +14739,7 @@
             <a:fld id="{13857CB0-13A1-403F-8162-9A7030C29874}" type="datetime1">
               <a:rPr lang="en-US" smtClean="0"/>
               <a:pPr/>
-              <a:t>3/22/2020</a:t>
+              <a:t>4/23/2020</a:t>
             </a:fld>
             <a:endParaRPr lang="en-US"/>
           </a:p>
@@ -17897,7 +17897,7 @@
             <a:fld id="{E15CB140-4C5D-45AD-A5EB-EC0D86FDB33D}" type="datetime1">
               <a:rPr lang="en-US" smtClean="0"/>
               <a:pPr/>
-              <a:t>3/22/2020</a:t>
+              <a:t>4/23/2020</a:t>
             </a:fld>
             <a:endParaRPr lang="en-US"/>
           </a:p>
@@ -18135,7 +18135,7 @@
             <a:fld id="{3AB6331E-0E85-4708-9373-E743367B5B52}" type="datetime1">
               <a:rPr lang="en-US" smtClean="0"/>
               <a:pPr/>
-              <a:t>3/22/2020</a:t>
+              <a:t>4/23/2020</a:t>
             </a:fld>
             <a:endParaRPr lang="en-US"/>
           </a:p>
@@ -18508,7 +18508,7 @@
             <a:fld id="{AB99D6D7-9B10-4443-BA69-E960B6260B09}" type="datetime1">
               <a:rPr lang="en-US" smtClean="0"/>
               <a:pPr/>
-              <a:t>3/22/2020</a:t>
+              <a:t>4/23/2020</a:t>
             </a:fld>
             <a:endParaRPr lang="en-US"/>
           </a:p>
@@ -18632,7 +18632,7 @@
             <a:fld id="{7CC4820D-7633-4EE6-BF97-361B0439AB06}" type="datetime1">
               <a:rPr lang="en-US" smtClean="0"/>
               <a:pPr/>
-              <a:t>3/22/2020</a:t>
+              <a:t>4/23/2020</a:t>
             </a:fld>
             <a:endParaRPr lang="en-US"/>
           </a:p>
@@ -18729,7 +18729,7 @@
             <a:fld id="{314EC2DE-4D08-47D5-A0B7-CDAA0E758052}" type="datetime1">
               <a:rPr lang="en-US" smtClean="0"/>
               <a:pPr/>
-              <a:t>3/22/2020</a:t>
+              <a:t>4/23/2020</a:t>
             </a:fld>
             <a:endParaRPr lang="en-US"/>
           </a:p>
@@ -19008,7 +19008,7 @@
             <a:fld id="{186CFB15-868A-4B29-BA67-850957CA75CB}" type="datetime1">
               <a:rPr lang="en-US" smtClean="0"/>
               <a:pPr/>
-              <a:t>3/22/2020</a:t>
+              <a:t>4/23/2020</a:t>
             </a:fld>
             <a:endParaRPr lang="en-US"/>
           </a:p>
@@ -19267,7 +19267,7 @@
             <a:fld id="{7E67AD8F-4CC4-4FB4-B144-7CF4F8B37B2E}" type="datetime1">
               <a:rPr lang="en-US" smtClean="0"/>
               <a:pPr/>
-              <a:t>3/22/2020</a:t>
+              <a:t>4/23/2020</a:t>
             </a:fld>
             <a:endParaRPr lang="en-US"/>
           </a:p>
@@ -19512,7 +19512,7 @@
             <a:fld id="{ABD33F99-3B89-4BA8-8D8B-BFD462DD3662}" type="datetime1">
               <a:rPr lang="en-US" smtClean="0"/>
               <a:pPr/>
-              <a:t>3/22/2020</a:t>
+              <a:t>4/23/2020</a:t>
             </a:fld>
             <a:endParaRPr lang="en-US" dirty="0"/>
           </a:p>
@@ -20202,7 +20202,7 @@
           <a:p>
             <a:fld id="{997E942A-26CB-4FC8-A61F-ED7BAF06B75B}" type="datetimeFigureOut">
               <a:rPr lang="en-US" smtClean="0"/>
-              <a:t>3/22/2020</a:t>
+              <a:t>4/23/2020</a:t>
             </a:fld>
             <a:endParaRPr lang="en-US"/>
           </a:p>
@@ -26100,15 +26100,7 @@
           <a:p>
             <a:r>
               <a:rPr lang="th-TH" dirty="0"/>
-              <a:t>ด้านองค์ประกอบ</a:t>
-            </a:r>
-            <a:r>
-              <a:rPr lang="th-TH" dirty="0" err="1"/>
-              <a:t>หฃักข</a:t>
-            </a:r>
-            <a:r>
-              <a:rPr lang="th-TH" dirty="0"/>
-              <a:t>องสถาปัตยกรรมทั้ง </a:t>
+              <a:t>ด้านองค์ประกอบหลักของสถาปัตยกรรมทั้ง </a:t>
             </a:r>
             <a:r>
               <a:rPr lang="en-US" dirty="0"/>
